--- a/ppt 16-9/0980.我们不后悔.pptx
+++ b/ppt 16-9/0980.我们不后悔.pptx
@@ -129,7 +129,7 @@
           <p:cNvPr id="2" name="标题 1">
             <a:extLst>
               <a:ext uri="{FF2B5EF4-FFF2-40B4-BE49-F238E27FC236}">
-                <a16:creationId xmlns:a16="http://schemas.microsoft.com/office/drawing/2014/main" id="{3575DF63-A94E-682F-18E9-84CF4F98695F}"/>
+                <a16:creationId xmlns:a16="http://schemas.microsoft.com/office/drawing/2014/main" id="{4964173D-D430-D7D4-1152-5B887B843C06}"/>
               </a:ext>
             </a:extLst>
           </p:cNvPr>
@@ -166,7 +166,7 @@
           <p:cNvPr id="3" name="副标题 2">
             <a:extLst>
               <a:ext uri="{FF2B5EF4-FFF2-40B4-BE49-F238E27FC236}">
-                <a16:creationId xmlns:a16="http://schemas.microsoft.com/office/drawing/2014/main" id="{039DA1C7-1EB9-D6CB-65D4-5D1DB0FCE6BD}"/>
+                <a16:creationId xmlns:a16="http://schemas.microsoft.com/office/drawing/2014/main" id="{FCB4DFF1-43FB-6BAD-F7EC-B43DA3773B4A}"/>
               </a:ext>
             </a:extLst>
           </p:cNvPr>
@@ -236,7 +236,7 @@
           <p:cNvPr id="4" name="日期占位符 3">
             <a:extLst>
               <a:ext uri="{FF2B5EF4-FFF2-40B4-BE49-F238E27FC236}">
-                <a16:creationId xmlns:a16="http://schemas.microsoft.com/office/drawing/2014/main" id="{BFF8F98A-B8F1-D913-3B47-F3CE6B87E7F6}"/>
+                <a16:creationId xmlns:a16="http://schemas.microsoft.com/office/drawing/2014/main" id="{83EE7082-AB86-2CCF-8729-3A090E97631B}"/>
               </a:ext>
             </a:extLst>
           </p:cNvPr>
@@ -252,7 +252,7 @@
           <a:bodyPr/>
           <a:lstStyle/>
           <a:p>
-            <a:fld id="{106A330C-1AAF-456B-9E3E-70F460201EA6}" type="datetimeFigureOut">
+            <a:fld id="{9821CF86-D9C7-4A47-B626-33B6412DB9BF}" type="datetimeFigureOut">
               <a:rPr lang="zh-CN" altLang="en-US" smtClean="0"/>
               <a:t>2024/3/10</a:t>
             </a:fld>
@@ -265,7 +265,7 @@
           <p:cNvPr id="5" name="页脚占位符 4">
             <a:extLst>
               <a:ext uri="{FF2B5EF4-FFF2-40B4-BE49-F238E27FC236}">
-                <a16:creationId xmlns:a16="http://schemas.microsoft.com/office/drawing/2014/main" id="{B479B238-C4CD-23CE-7ABB-A2CDFDECBE53}"/>
+                <a16:creationId xmlns:a16="http://schemas.microsoft.com/office/drawing/2014/main" id="{BE3C1336-4EAC-338D-3AA6-53AA11ECB0B4}"/>
               </a:ext>
             </a:extLst>
           </p:cNvPr>
@@ -290,7 +290,7 @@
           <p:cNvPr id="6" name="灯片编号占位符 5">
             <a:extLst>
               <a:ext uri="{FF2B5EF4-FFF2-40B4-BE49-F238E27FC236}">
-                <a16:creationId xmlns:a16="http://schemas.microsoft.com/office/drawing/2014/main" id="{8854832E-DCDD-5959-AB23-D05009058D84}"/>
+                <a16:creationId xmlns:a16="http://schemas.microsoft.com/office/drawing/2014/main" id="{3AD536E5-4A51-0FDC-9FB3-87B83839A67D}"/>
               </a:ext>
             </a:extLst>
           </p:cNvPr>
@@ -306,7 +306,7 @@
           <a:bodyPr/>
           <a:lstStyle/>
           <a:p>
-            <a:fld id="{F3843CEB-721A-4291-BE32-41026B6C540C}" type="slidenum">
+            <a:fld id="{E257B1DE-A9D8-47FD-8C4B-4FD7652A49B4}" type="slidenum">
               <a:rPr lang="zh-CN" altLang="en-US" smtClean="0"/>
               <a:t>‹#›</a:t>
             </a:fld>
@@ -317,7 +317,7 @@
     </p:spTree>
     <p:extLst>
       <p:ext uri="{BB962C8B-B14F-4D97-AF65-F5344CB8AC3E}">
-        <p14:creationId xmlns:p14="http://schemas.microsoft.com/office/powerpoint/2010/main" val="3274696641"/>
+        <p14:creationId xmlns:p14="http://schemas.microsoft.com/office/powerpoint/2010/main" val="1863559140"/>
       </p:ext>
     </p:extLst>
   </p:cSld>
@@ -349,7 +349,7 @@
           <p:cNvPr id="2" name="标题 1">
             <a:extLst>
               <a:ext uri="{FF2B5EF4-FFF2-40B4-BE49-F238E27FC236}">
-                <a16:creationId xmlns:a16="http://schemas.microsoft.com/office/drawing/2014/main" id="{13F7B293-CABD-96B2-2259-7C341C352ED6}"/>
+                <a16:creationId xmlns:a16="http://schemas.microsoft.com/office/drawing/2014/main" id="{55CACFAC-528E-C35C-2C14-72732BF70035}"/>
               </a:ext>
             </a:extLst>
           </p:cNvPr>
@@ -377,7 +377,7 @@
           <p:cNvPr id="3" name="竖排文字占位符 2">
             <a:extLst>
               <a:ext uri="{FF2B5EF4-FFF2-40B4-BE49-F238E27FC236}">
-                <a16:creationId xmlns:a16="http://schemas.microsoft.com/office/drawing/2014/main" id="{8C1074DB-CBFF-E4A6-7C50-C4B95DCDBFAE}"/>
+                <a16:creationId xmlns:a16="http://schemas.microsoft.com/office/drawing/2014/main" id="{88464F56-A297-A4F5-2B9B-D0300DA7EE60}"/>
               </a:ext>
             </a:extLst>
           </p:cNvPr>
@@ -434,7 +434,7 @@
           <p:cNvPr id="4" name="日期占位符 3">
             <a:extLst>
               <a:ext uri="{FF2B5EF4-FFF2-40B4-BE49-F238E27FC236}">
-                <a16:creationId xmlns:a16="http://schemas.microsoft.com/office/drawing/2014/main" id="{CD32B6C4-198A-A996-60A8-33CABEAD6287}"/>
+                <a16:creationId xmlns:a16="http://schemas.microsoft.com/office/drawing/2014/main" id="{4D3DDBD1-28A1-D461-ABE0-24324D0CB6DD}"/>
               </a:ext>
             </a:extLst>
           </p:cNvPr>
@@ -450,7 +450,7 @@
           <a:bodyPr/>
           <a:lstStyle/>
           <a:p>
-            <a:fld id="{106A330C-1AAF-456B-9E3E-70F460201EA6}" type="datetimeFigureOut">
+            <a:fld id="{9821CF86-D9C7-4A47-B626-33B6412DB9BF}" type="datetimeFigureOut">
               <a:rPr lang="zh-CN" altLang="en-US" smtClean="0"/>
               <a:t>2024/3/10</a:t>
             </a:fld>
@@ -463,7 +463,7 @@
           <p:cNvPr id="5" name="页脚占位符 4">
             <a:extLst>
               <a:ext uri="{FF2B5EF4-FFF2-40B4-BE49-F238E27FC236}">
-                <a16:creationId xmlns:a16="http://schemas.microsoft.com/office/drawing/2014/main" id="{FB3A15F3-4F82-8704-595F-39EDAD7A1FC8}"/>
+                <a16:creationId xmlns:a16="http://schemas.microsoft.com/office/drawing/2014/main" id="{F727C1C7-15BE-1B8F-4053-0E5D39B6265A}"/>
               </a:ext>
             </a:extLst>
           </p:cNvPr>
@@ -488,7 +488,7 @@
           <p:cNvPr id="6" name="灯片编号占位符 5">
             <a:extLst>
               <a:ext uri="{FF2B5EF4-FFF2-40B4-BE49-F238E27FC236}">
-                <a16:creationId xmlns:a16="http://schemas.microsoft.com/office/drawing/2014/main" id="{98C2C7E4-3725-E423-B0A0-9DC168670F19}"/>
+                <a16:creationId xmlns:a16="http://schemas.microsoft.com/office/drawing/2014/main" id="{492DD6F4-D265-D907-9B4A-57F05E218870}"/>
               </a:ext>
             </a:extLst>
           </p:cNvPr>
@@ -504,7 +504,7 @@
           <a:bodyPr/>
           <a:lstStyle/>
           <a:p>
-            <a:fld id="{F3843CEB-721A-4291-BE32-41026B6C540C}" type="slidenum">
+            <a:fld id="{E257B1DE-A9D8-47FD-8C4B-4FD7652A49B4}" type="slidenum">
               <a:rPr lang="zh-CN" altLang="en-US" smtClean="0"/>
               <a:t>‹#›</a:t>
             </a:fld>
@@ -515,7 +515,7 @@
     </p:spTree>
     <p:extLst>
       <p:ext uri="{BB962C8B-B14F-4D97-AF65-F5344CB8AC3E}">
-        <p14:creationId xmlns:p14="http://schemas.microsoft.com/office/powerpoint/2010/main" val="3344639958"/>
+        <p14:creationId xmlns:p14="http://schemas.microsoft.com/office/powerpoint/2010/main" val="2086439789"/>
       </p:ext>
     </p:extLst>
   </p:cSld>
@@ -547,7 +547,7 @@
           <p:cNvPr id="2" name="竖排标题 1">
             <a:extLst>
               <a:ext uri="{FF2B5EF4-FFF2-40B4-BE49-F238E27FC236}">
-                <a16:creationId xmlns:a16="http://schemas.microsoft.com/office/drawing/2014/main" id="{62959C7A-BE6D-DDBA-56E7-4612191233E5}"/>
+                <a16:creationId xmlns:a16="http://schemas.microsoft.com/office/drawing/2014/main" id="{E48A4630-E0A1-C878-863F-26B8C478EEFD}"/>
               </a:ext>
             </a:extLst>
           </p:cNvPr>
@@ -580,7 +580,7 @@
           <p:cNvPr id="3" name="竖排文字占位符 2">
             <a:extLst>
               <a:ext uri="{FF2B5EF4-FFF2-40B4-BE49-F238E27FC236}">
-                <a16:creationId xmlns:a16="http://schemas.microsoft.com/office/drawing/2014/main" id="{580023A1-63EC-8F75-92B0-FD1096E55710}"/>
+                <a16:creationId xmlns:a16="http://schemas.microsoft.com/office/drawing/2014/main" id="{46817E22-08B0-D494-186E-265C5FE5E040}"/>
               </a:ext>
             </a:extLst>
           </p:cNvPr>
@@ -642,7 +642,7 @@
           <p:cNvPr id="4" name="日期占位符 3">
             <a:extLst>
               <a:ext uri="{FF2B5EF4-FFF2-40B4-BE49-F238E27FC236}">
-                <a16:creationId xmlns:a16="http://schemas.microsoft.com/office/drawing/2014/main" id="{15DE08E2-B3FD-2E0E-BF3C-7304CBE31E6B}"/>
+                <a16:creationId xmlns:a16="http://schemas.microsoft.com/office/drawing/2014/main" id="{16A19477-D726-C728-57CB-ED7899F29D9F}"/>
               </a:ext>
             </a:extLst>
           </p:cNvPr>
@@ -658,7 +658,7 @@
           <a:bodyPr/>
           <a:lstStyle/>
           <a:p>
-            <a:fld id="{106A330C-1AAF-456B-9E3E-70F460201EA6}" type="datetimeFigureOut">
+            <a:fld id="{9821CF86-D9C7-4A47-B626-33B6412DB9BF}" type="datetimeFigureOut">
               <a:rPr lang="zh-CN" altLang="en-US" smtClean="0"/>
               <a:t>2024/3/10</a:t>
             </a:fld>
@@ -671,7 +671,7 @@
           <p:cNvPr id="5" name="页脚占位符 4">
             <a:extLst>
               <a:ext uri="{FF2B5EF4-FFF2-40B4-BE49-F238E27FC236}">
-                <a16:creationId xmlns:a16="http://schemas.microsoft.com/office/drawing/2014/main" id="{AEC9A93B-10D3-98B5-2B62-268B92A146FB}"/>
+                <a16:creationId xmlns:a16="http://schemas.microsoft.com/office/drawing/2014/main" id="{F47BFB18-959C-A624-F7FE-B4D3FC3C7CB9}"/>
               </a:ext>
             </a:extLst>
           </p:cNvPr>
@@ -696,7 +696,7 @@
           <p:cNvPr id="6" name="灯片编号占位符 5">
             <a:extLst>
               <a:ext uri="{FF2B5EF4-FFF2-40B4-BE49-F238E27FC236}">
-                <a16:creationId xmlns:a16="http://schemas.microsoft.com/office/drawing/2014/main" id="{59D56F0F-2CB6-EE4D-77B5-BDC8BDC7D38F}"/>
+                <a16:creationId xmlns:a16="http://schemas.microsoft.com/office/drawing/2014/main" id="{14762ECD-082C-1452-02B7-4F5B5C09B501}"/>
               </a:ext>
             </a:extLst>
           </p:cNvPr>
@@ -712,7 +712,7 @@
           <a:bodyPr/>
           <a:lstStyle/>
           <a:p>
-            <a:fld id="{F3843CEB-721A-4291-BE32-41026B6C540C}" type="slidenum">
+            <a:fld id="{E257B1DE-A9D8-47FD-8C4B-4FD7652A49B4}" type="slidenum">
               <a:rPr lang="zh-CN" altLang="en-US" smtClean="0"/>
               <a:t>‹#›</a:t>
             </a:fld>
@@ -723,7 +723,7 @@
     </p:spTree>
     <p:extLst>
       <p:ext uri="{BB962C8B-B14F-4D97-AF65-F5344CB8AC3E}">
-        <p14:creationId xmlns:p14="http://schemas.microsoft.com/office/powerpoint/2010/main" val="2147902572"/>
+        <p14:creationId xmlns:p14="http://schemas.microsoft.com/office/powerpoint/2010/main" val="3246998557"/>
       </p:ext>
     </p:extLst>
   </p:cSld>
@@ -755,7 +755,7 @@
           <p:cNvPr id="2" name="标题 1">
             <a:extLst>
               <a:ext uri="{FF2B5EF4-FFF2-40B4-BE49-F238E27FC236}">
-                <a16:creationId xmlns:a16="http://schemas.microsoft.com/office/drawing/2014/main" id="{6B79FAB2-0A46-0B2B-C0DB-1614DC6AE179}"/>
+                <a16:creationId xmlns:a16="http://schemas.microsoft.com/office/drawing/2014/main" id="{2EDCCDD2-DBAB-2D4A-D02E-45C9F0234179}"/>
               </a:ext>
             </a:extLst>
           </p:cNvPr>
@@ -783,7 +783,7 @@
           <p:cNvPr id="3" name="内容占位符 2">
             <a:extLst>
               <a:ext uri="{FF2B5EF4-FFF2-40B4-BE49-F238E27FC236}">
-                <a16:creationId xmlns:a16="http://schemas.microsoft.com/office/drawing/2014/main" id="{889877D7-CFFF-1BA3-8434-69CC83869518}"/>
+                <a16:creationId xmlns:a16="http://schemas.microsoft.com/office/drawing/2014/main" id="{76F35800-CCCC-241B-D3A4-072A4AAB8128}"/>
               </a:ext>
             </a:extLst>
           </p:cNvPr>
@@ -840,7 +840,7 @@
           <p:cNvPr id="4" name="日期占位符 3">
             <a:extLst>
               <a:ext uri="{FF2B5EF4-FFF2-40B4-BE49-F238E27FC236}">
-                <a16:creationId xmlns:a16="http://schemas.microsoft.com/office/drawing/2014/main" id="{ED72BF8D-7B9F-172E-473C-40D82707811D}"/>
+                <a16:creationId xmlns:a16="http://schemas.microsoft.com/office/drawing/2014/main" id="{F866CDE9-D4A2-2D3B-39C0-5F001DB8A41F}"/>
               </a:ext>
             </a:extLst>
           </p:cNvPr>
@@ -856,7 +856,7 @@
           <a:bodyPr/>
           <a:lstStyle/>
           <a:p>
-            <a:fld id="{106A330C-1AAF-456B-9E3E-70F460201EA6}" type="datetimeFigureOut">
+            <a:fld id="{9821CF86-D9C7-4A47-B626-33B6412DB9BF}" type="datetimeFigureOut">
               <a:rPr lang="zh-CN" altLang="en-US" smtClean="0"/>
               <a:t>2024/3/10</a:t>
             </a:fld>
@@ -869,7 +869,7 @@
           <p:cNvPr id="5" name="页脚占位符 4">
             <a:extLst>
               <a:ext uri="{FF2B5EF4-FFF2-40B4-BE49-F238E27FC236}">
-                <a16:creationId xmlns:a16="http://schemas.microsoft.com/office/drawing/2014/main" id="{70265AAC-3DDD-0421-6DC3-9BEFE63E16B8}"/>
+                <a16:creationId xmlns:a16="http://schemas.microsoft.com/office/drawing/2014/main" id="{817F9013-97DA-530A-CDA7-23BCE297FE44}"/>
               </a:ext>
             </a:extLst>
           </p:cNvPr>
@@ -894,7 +894,7 @@
           <p:cNvPr id="6" name="灯片编号占位符 5">
             <a:extLst>
               <a:ext uri="{FF2B5EF4-FFF2-40B4-BE49-F238E27FC236}">
-                <a16:creationId xmlns:a16="http://schemas.microsoft.com/office/drawing/2014/main" id="{1D637FE8-9814-2A1D-9C94-C1D9F3937DC9}"/>
+                <a16:creationId xmlns:a16="http://schemas.microsoft.com/office/drawing/2014/main" id="{DB227794-085E-7C73-6F73-914303513E6E}"/>
               </a:ext>
             </a:extLst>
           </p:cNvPr>
@@ -910,7 +910,7 @@
           <a:bodyPr/>
           <a:lstStyle/>
           <a:p>
-            <a:fld id="{F3843CEB-721A-4291-BE32-41026B6C540C}" type="slidenum">
+            <a:fld id="{E257B1DE-A9D8-47FD-8C4B-4FD7652A49B4}" type="slidenum">
               <a:rPr lang="zh-CN" altLang="en-US" smtClean="0"/>
               <a:t>‹#›</a:t>
             </a:fld>
@@ -921,7 +921,7 @@
     </p:spTree>
     <p:extLst>
       <p:ext uri="{BB962C8B-B14F-4D97-AF65-F5344CB8AC3E}">
-        <p14:creationId xmlns:p14="http://schemas.microsoft.com/office/powerpoint/2010/main" val="310404243"/>
+        <p14:creationId xmlns:p14="http://schemas.microsoft.com/office/powerpoint/2010/main" val="1541676933"/>
       </p:ext>
     </p:extLst>
   </p:cSld>
@@ -953,7 +953,7 @@
           <p:cNvPr id="2" name="标题 1">
             <a:extLst>
               <a:ext uri="{FF2B5EF4-FFF2-40B4-BE49-F238E27FC236}">
-                <a16:creationId xmlns:a16="http://schemas.microsoft.com/office/drawing/2014/main" id="{C318C5F6-6EF8-D22A-0A20-8BA3EFBB46CD}"/>
+                <a16:creationId xmlns:a16="http://schemas.microsoft.com/office/drawing/2014/main" id="{9055DD5F-912A-A205-9084-AA66F5F502C7}"/>
               </a:ext>
             </a:extLst>
           </p:cNvPr>
@@ -990,7 +990,7 @@
           <p:cNvPr id="3" name="文本占位符 2">
             <a:extLst>
               <a:ext uri="{FF2B5EF4-FFF2-40B4-BE49-F238E27FC236}">
-                <a16:creationId xmlns:a16="http://schemas.microsoft.com/office/drawing/2014/main" id="{061A51AA-B950-0FB8-7FBA-218C3C79AE0A}"/>
+                <a16:creationId xmlns:a16="http://schemas.microsoft.com/office/drawing/2014/main" id="{30F89774-AC1F-1DC2-0C2B-22C77224DEAA}"/>
               </a:ext>
             </a:extLst>
           </p:cNvPr>
@@ -1115,7 +1115,7 @@
           <p:cNvPr id="4" name="日期占位符 3">
             <a:extLst>
               <a:ext uri="{FF2B5EF4-FFF2-40B4-BE49-F238E27FC236}">
-                <a16:creationId xmlns:a16="http://schemas.microsoft.com/office/drawing/2014/main" id="{BD7CE183-9557-B0BA-67BF-54CC54CA41A9}"/>
+                <a16:creationId xmlns:a16="http://schemas.microsoft.com/office/drawing/2014/main" id="{A97F7783-EC58-1251-1CF0-78F4A555023C}"/>
               </a:ext>
             </a:extLst>
           </p:cNvPr>
@@ -1131,7 +1131,7 @@
           <a:bodyPr/>
           <a:lstStyle/>
           <a:p>
-            <a:fld id="{106A330C-1AAF-456B-9E3E-70F460201EA6}" type="datetimeFigureOut">
+            <a:fld id="{9821CF86-D9C7-4A47-B626-33B6412DB9BF}" type="datetimeFigureOut">
               <a:rPr lang="zh-CN" altLang="en-US" smtClean="0"/>
               <a:t>2024/3/10</a:t>
             </a:fld>
@@ -1144,7 +1144,7 @@
           <p:cNvPr id="5" name="页脚占位符 4">
             <a:extLst>
               <a:ext uri="{FF2B5EF4-FFF2-40B4-BE49-F238E27FC236}">
-                <a16:creationId xmlns:a16="http://schemas.microsoft.com/office/drawing/2014/main" id="{0BC06CDB-CE0A-887C-4600-3339D9A53B7A}"/>
+                <a16:creationId xmlns:a16="http://schemas.microsoft.com/office/drawing/2014/main" id="{D77317BB-9C8E-69D3-8008-4709142B0B43}"/>
               </a:ext>
             </a:extLst>
           </p:cNvPr>
@@ -1169,7 +1169,7 @@
           <p:cNvPr id="6" name="灯片编号占位符 5">
             <a:extLst>
               <a:ext uri="{FF2B5EF4-FFF2-40B4-BE49-F238E27FC236}">
-                <a16:creationId xmlns:a16="http://schemas.microsoft.com/office/drawing/2014/main" id="{09697931-B243-1605-E051-FB7B2198C02B}"/>
+                <a16:creationId xmlns:a16="http://schemas.microsoft.com/office/drawing/2014/main" id="{57205592-F73A-DC08-CC12-A405101F61DE}"/>
               </a:ext>
             </a:extLst>
           </p:cNvPr>
@@ -1185,7 +1185,7 @@
           <a:bodyPr/>
           <a:lstStyle/>
           <a:p>
-            <a:fld id="{F3843CEB-721A-4291-BE32-41026B6C540C}" type="slidenum">
+            <a:fld id="{E257B1DE-A9D8-47FD-8C4B-4FD7652A49B4}" type="slidenum">
               <a:rPr lang="zh-CN" altLang="en-US" smtClean="0"/>
               <a:t>‹#›</a:t>
             </a:fld>
@@ -1196,7 +1196,7 @@
     </p:spTree>
     <p:extLst>
       <p:ext uri="{BB962C8B-B14F-4D97-AF65-F5344CB8AC3E}">
-        <p14:creationId xmlns:p14="http://schemas.microsoft.com/office/powerpoint/2010/main" val="785988872"/>
+        <p14:creationId xmlns:p14="http://schemas.microsoft.com/office/powerpoint/2010/main" val="3775690568"/>
       </p:ext>
     </p:extLst>
   </p:cSld>
@@ -1228,7 +1228,7 @@
           <p:cNvPr id="2" name="标题 1">
             <a:extLst>
               <a:ext uri="{FF2B5EF4-FFF2-40B4-BE49-F238E27FC236}">
-                <a16:creationId xmlns:a16="http://schemas.microsoft.com/office/drawing/2014/main" id="{B9E2C12D-0E05-D67A-7BF4-B9738F78D7C4}"/>
+                <a16:creationId xmlns:a16="http://schemas.microsoft.com/office/drawing/2014/main" id="{244D1898-BF06-FAB5-052A-A7610BCF63C9}"/>
               </a:ext>
             </a:extLst>
           </p:cNvPr>
@@ -1256,7 +1256,7 @@
           <p:cNvPr id="3" name="内容占位符 2">
             <a:extLst>
               <a:ext uri="{FF2B5EF4-FFF2-40B4-BE49-F238E27FC236}">
-                <a16:creationId xmlns:a16="http://schemas.microsoft.com/office/drawing/2014/main" id="{C9EE43AE-9666-D5A9-880F-790A7C2E0989}"/>
+                <a16:creationId xmlns:a16="http://schemas.microsoft.com/office/drawing/2014/main" id="{74F3416A-12B9-8EE6-E87C-382D433CF21C}"/>
               </a:ext>
             </a:extLst>
           </p:cNvPr>
@@ -1318,7 +1318,7 @@
           <p:cNvPr id="4" name="内容占位符 3">
             <a:extLst>
               <a:ext uri="{FF2B5EF4-FFF2-40B4-BE49-F238E27FC236}">
-                <a16:creationId xmlns:a16="http://schemas.microsoft.com/office/drawing/2014/main" id="{ADFC3D94-6EA2-15AB-0C11-521CD2698498}"/>
+                <a16:creationId xmlns:a16="http://schemas.microsoft.com/office/drawing/2014/main" id="{C47D1184-9652-BD26-A9A7-A8D0F8CD1203}"/>
               </a:ext>
             </a:extLst>
           </p:cNvPr>
@@ -1380,7 +1380,7 @@
           <p:cNvPr id="5" name="日期占位符 4">
             <a:extLst>
               <a:ext uri="{FF2B5EF4-FFF2-40B4-BE49-F238E27FC236}">
-                <a16:creationId xmlns:a16="http://schemas.microsoft.com/office/drawing/2014/main" id="{36918839-0AF9-5831-E651-3B22A3843A0E}"/>
+                <a16:creationId xmlns:a16="http://schemas.microsoft.com/office/drawing/2014/main" id="{C5EF0881-39EA-4ABA-91A9-7CCB39B30677}"/>
               </a:ext>
             </a:extLst>
           </p:cNvPr>
@@ -1396,7 +1396,7 @@
           <a:bodyPr/>
           <a:lstStyle/>
           <a:p>
-            <a:fld id="{106A330C-1AAF-456B-9E3E-70F460201EA6}" type="datetimeFigureOut">
+            <a:fld id="{9821CF86-D9C7-4A47-B626-33B6412DB9BF}" type="datetimeFigureOut">
               <a:rPr lang="zh-CN" altLang="en-US" smtClean="0"/>
               <a:t>2024/3/10</a:t>
             </a:fld>
@@ -1409,7 +1409,7 @@
           <p:cNvPr id="6" name="页脚占位符 5">
             <a:extLst>
               <a:ext uri="{FF2B5EF4-FFF2-40B4-BE49-F238E27FC236}">
-                <a16:creationId xmlns:a16="http://schemas.microsoft.com/office/drawing/2014/main" id="{E2E4CF19-1126-23B4-273D-BD2A74DCA3CA}"/>
+                <a16:creationId xmlns:a16="http://schemas.microsoft.com/office/drawing/2014/main" id="{10F8F002-01F3-4838-1465-F989C0F75D9E}"/>
               </a:ext>
             </a:extLst>
           </p:cNvPr>
@@ -1434,7 +1434,7 @@
           <p:cNvPr id="7" name="灯片编号占位符 6">
             <a:extLst>
               <a:ext uri="{FF2B5EF4-FFF2-40B4-BE49-F238E27FC236}">
-                <a16:creationId xmlns:a16="http://schemas.microsoft.com/office/drawing/2014/main" id="{B08443D5-EDBB-2E39-EBCF-9981CAA9A9E6}"/>
+                <a16:creationId xmlns:a16="http://schemas.microsoft.com/office/drawing/2014/main" id="{44FB6DDC-65C7-184E-E59C-FF25A041E718}"/>
               </a:ext>
             </a:extLst>
           </p:cNvPr>
@@ -1450,7 +1450,7 @@
           <a:bodyPr/>
           <a:lstStyle/>
           <a:p>
-            <a:fld id="{F3843CEB-721A-4291-BE32-41026B6C540C}" type="slidenum">
+            <a:fld id="{E257B1DE-A9D8-47FD-8C4B-4FD7652A49B4}" type="slidenum">
               <a:rPr lang="zh-CN" altLang="en-US" smtClean="0"/>
               <a:t>‹#›</a:t>
             </a:fld>
@@ -1461,7 +1461,7 @@
     </p:spTree>
     <p:extLst>
       <p:ext uri="{BB962C8B-B14F-4D97-AF65-F5344CB8AC3E}">
-        <p14:creationId xmlns:p14="http://schemas.microsoft.com/office/powerpoint/2010/main" val="3653719788"/>
+        <p14:creationId xmlns:p14="http://schemas.microsoft.com/office/powerpoint/2010/main" val="4131395721"/>
       </p:ext>
     </p:extLst>
   </p:cSld>
@@ -1493,7 +1493,7 @@
           <p:cNvPr id="2" name="标题 1">
             <a:extLst>
               <a:ext uri="{FF2B5EF4-FFF2-40B4-BE49-F238E27FC236}">
-                <a16:creationId xmlns:a16="http://schemas.microsoft.com/office/drawing/2014/main" id="{9B556C34-C043-E358-F5C6-FCD7020CFCFC}"/>
+                <a16:creationId xmlns:a16="http://schemas.microsoft.com/office/drawing/2014/main" id="{F5D74190-2949-1B4E-E029-CF72895A9103}"/>
               </a:ext>
             </a:extLst>
           </p:cNvPr>
@@ -1526,7 +1526,7 @@
           <p:cNvPr id="3" name="文本占位符 2">
             <a:extLst>
               <a:ext uri="{FF2B5EF4-FFF2-40B4-BE49-F238E27FC236}">
-                <a16:creationId xmlns:a16="http://schemas.microsoft.com/office/drawing/2014/main" id="{B91FAA4C-EA75-5113-CD58-BF133FEF53CF}"/>
+                <a16:creationId xmlns:a16="http://schemas.microsoft.com/office/drawing/2014/main" id="{0AE13C7C-E864-F8AD-4EEB-A648D3455B97}"/>
               </a:ext>
             </a:extLst>
           </p:cNvPr>
@@ -1597,7 +1597,7 @@
           <p:cNvPr id="4" name="内容占位符 3">
             <a:extLst>
               <a:ext uri="{FF2B5EF4-FFF2-40B4-BE49-F238E27FC236}">
-                <a16:creationId xmlns:a16="http://schemas.microsoft.com/office/drawing/2014/main" id="{F24DD80A-3E3D-972E-D28B-7792363A0C2A}"/>
+                <a16:creationId xmlns:a16="http://schemas.microsoft.com/office/drawing/2014/main" id="{AF1E5929-8F87-598F-A9FD-1E93C8743372}"/>
               </a:ext>
             </a:extLst>
           </p:cNvPr>
@@ -1659,7 +1659,7 @@
           <p:cNvPr id="5" name="文本占位符 4">
             <a:extLst>
               <a:ext uri="{FF2B5EF4-FFF2-40B4-BE49-F238E27FC236}">
-                <a16:creationId xmlns:a16="http://schemas.microsoft.com/office/drawing/2014/main" id="{2A527C3C-9E53-1AB3-94A3-2EA1714B8FA7}"/>
+                <a16:creationId xmlns:a16="http://schemas.microsoft.com/office/drawing/2014/main" id="{DF2E3ADF-C66A-34F7-C500-B31E961F90FB}"/>
               </a:ext>
             </a:extLst>
           </p:cNvPr>
@@ -1730,7 +1730,7 @@
           <p:cNvPr id="6" name="内容占位符 5">
             <a:extLst>
               <a:ext uri="{FF2B5EF4-FFF2-40B4-BE49-F238E27FC236}">
-                <a16:creationId xmlns:a16="http://schemas.microsoft.com/office/drawing/2014/main" id="{3BD34EAF-8E6B-7D64-CA69-9243A3927642}"/>
+                <a16:creationId xmlns:a16="http://schemas.microsoft.com/office/drawing/2014/main" id="{E466CE62-BB9B-FE19-B43C-F19209D7A19A}"/>
               </a:ext>
             </a:extLst>
           </p:cNvPr>
@@ -1792,7 +1792,7 @@
           <p:cNvPr id="7" name="日期占位符 6">
             <a:extLst>
               <a:ext uri="{FF2B5EF4-FFF2-40B4-BE49-F238E27FC236}">
-                <a16:creationId xmlns:a16="http://schemas.microsoft.com/office/drawing/2014/main" id="{E2500E72-D70F-FB47-1837-CFE76FB08C9C}"/>
+                <a16:creationId xmlns:a16="http://schemas.microsoft.com/office/drawing/2014/main" id="{791BA79B-C3CD-B2EF-521D-390F21055CD9}"/>
               </a:ext>
             </a:extLst>
           </p:cNvPr>
@@ -1808,7 +1808,7 @@
           <a:bodyPr/>
           <a:lstStyle/>
           <a:p>
-            <a:fld id="{106A330C-1AAF-456B-9E3E-70F460201EA6}" type="datetimeFigureOut">
+            <a:fld id="{9821CF86-D9C7-4A47-B626-33B6412DB9BF}" type="datetimeFigureOut">
               <a:rPr lang="zh-CN" altLang="en-US" smtClean="0"/>
               <a:t>2024/3/10</a:t>
             </a:fld>
@@ -1821,7 +1821,7 @@
           <p:cNvPr id="8" name="页脚占位符 7">
             <a:extLst>
               <a:ext uri="{FF2B5EF4-FFF2-40B4-BE49-F238E27FC236}">
-                <a16:creationId xmlns:a16="http://schemas.microsoft.com/office/drawing/2014/main" id="{E8B92E81-E0CF-7D91-8018-9574B685517B}"/>
+                <a16:creationId xmlns:a16="http://schemas.microsoft.com/office/drawing/2014/main" id="{85F6F4AD-2C08-8BBB-6CF1-30903E45B0B3}"/>
               </a:ext>
             </a:extLst>
           </p:cNvPr>
@@ -1846,7 +1846,7 @@
           <p:cNvPr id="9" name="灯片编号占位符 8">
             <a:extLst>
               <a:ext uri="{FF2B5EF4-FFF2-40B4-BE49-F238E27FC236}">
-                <a16:creationId xmlns:a16="http://schemas.microsoft.com/office/drawing/2014/main" id="{F0202357-57EC-A630-882B-CD8BA69D1A58}"/>
+                <a16:creationId xmlns:a16="http://schemas.microsoft.com/office/drawing/2014/main" id="{4FADAF95-50A3-264C-5F56-2059CE578ACB}"/>
               </a:ext>
             </a:extLst>
           </p:cNvPr>
@@ -1862,7 +1862,7 @@
           <a:bodyPr/>
           <a:lstStyle/>
           <a:p>
-            <a:fld id="{F3843CEB-721A-4291-BE32-41026B6C540C}" type="slidenum">
+            <a:fld id="{E257B1DE-A9D8-47FD-8C4B-4FD7652A49B4}" type="slidenum">
               <a:rPr lang="zh-CN" altLang="en-US" smtClean="0"/>
               <a:t>‹#›</a:t>
             </a:fld>
@@ -1873,7 +1873,7 @@
     </p:spTree>
     <p:extLst>
       <p:ext uri="{BB962C8B-B14F-4D97-AF65-F5344CB8AC3E}">
-        <p14:creationId xmlns:p14="http://schemas.microsoft.com/office/powerpoint/2010/main" val="2699215526"/>
+        <p14:creationId xmlns:p14="http://schemas.microsoft.com/office/powerpoint/2010/main" val="3396629070"/>
       </p:ext>
     </p:extLst>
   </p:cSld>
@@ -1905,7 +1905,7 @@
           <p:cNvPr id="2" name="标题 1">
             <a:extLst>
               <a:ext uri="{FF2B5EF4-FFF2-40B4-BE49-F238E27FC236}">
-                <a16:creationId xmlns:a16="http://schemas.microsoft.com/office/drawing/2014/main" id="{54A717FD-CA18-E834-FE2F-066BF2E52B09}"/>
+                <a16:creationId xmlns:a16="http://schemas.microsoft.com/office/drawing/2014/main" id="{638D4F6F-F16B-2675-B2A7-4E2B22F527E7}"/>
               </a:ext>
             </a:extLst>
           </p:cNvPr>
@@ -1933,7 +1933,7 @@
           <p:cNvPr id="3" name="日期占位符 2">
             <a:extLst>
               <a:ext uri="{FF2B5EF4-FFF2-40B4-BE49-F238E27FC236}">
-                <a16:creationId xmlns:a16="http://schemas.microsoft.com/office/drawing/2014/main" id="{8CF77335-86D2-4CDB-98B1-EA3524BDDF95}"/>
+                <a16:creationId xmlns:a16="http://schemas.microsoft.com/office/drawing/2014/main" id="{9446955A-26B1-0990-A528-3DA3C6EFBEB5}"/>
               </a:ext>
             </a:extLst>
           </p:cNvPr>
@@ -1949,7 +1949,7 @@
           <a:bodyPr/>
           <a:lstStyle/>
           <a:p>
-            <a:fld id="{106A330C-1AAF-456B-9E3E-70F460201EA6}" type="datetimeFigureOut">
+            <a:fld id="{9821CF86-D9C7-4A47-B626-33B6412DB9BF}" type="datetimeFigureOut">
               <a:rPr lang="zh-CN" altLang="en-US" smtClean="0"/>
               <a:t>2024/3/10</a:t>
             </a:fld>
@@ -1962,7 +1962,7 @@
           <p:cNvPr id="4" name="页脚占位符 3">
             <a:extLst>
               <a:ext uri="{FF2B5EF4-FFF2-40B4-BE49-F238E27FC236}">
-                <a16:creationId xmlns:a16="http://schemas.microsoft.com/office/drawing/2014/main" id="{4A8B7B54-BF86-449F-5A89-9E8FC6175F3D}"/>
+                <a16:creationId xmlns:a16="http://schemas.microsoft.com/office/drawing/2014/main" id="{F62A0B85-5D1F-3168-4A46-4BAD98580714}"/>
               </a:ext>
             </a:extLst>
           </p:cNvPr>
@@ -1987,7 +1987,7 @@
           <p:cNvPr id="5" name="灯片编号占位符 4">
             <a:extLst>
               <a:ext uri="{FF2B5EF4-FFF2-40B4-BE49-F238E27FC236}">
-                <a16:creationId xmlns:a16="http://schemas.microsoft.com/office/drawing/2014/main" id="{3FD3E2AC-4666-2310-AD2B-15D97E621BEA}"/>
+                <a16:creationId xmlns:a16="http://schemas.microsoft.com/office/drawing/2014/main" id="{5AFD2A87-2257-D029-74F6-E8C6CFB86A2F}"/>
               </a:ext>
             </a:extLst>
           </p:cNvPr>
@@ -2003,7 +2003,7 @@
           <a:bodyPr/>
           <a:lstStyle/>
           <a:p>
-            <a:fld id="{F3843CEB-721A-4291-BE32-41026B6C540C}" type="slidenum">
+            <a:fld id="{E257B1DE-A9D8-47FD-8C4B-4FD7652A49B4}" type="slidenum">
               <a:rPr lang="zh-CN" altLang="en-US" smtClean="0"/>
               <a:t>‹#›</a:t>
             </a:fld>
@@ -2014,7 +2014,7 @@
     </p:spTree>
     <p:extLst>
       <p:ext uri="{BB962C8B-B14F-4D97-AF65-F5344CB8AC3E}">
-        <p14:creationId xmlns:p14="http://schemas.microsoft.com/office/powerpoint/2010/main" val="4227784933"/>
+        <p14:creationId xmlns:p14="http://schemas.microsoft.com/office/powerpoint/2010/main" val="2517551847"/>
       </p:ext>
     </p:extLst>
   </p:cSld>
@@ -2046,7 +2046,7 @@
           <p:cNvPr id="2" name="日期占位符 1">
             <a:extLst>
               <a:ext uri="{FF2B5EF4-FFF2-40B4-BE49-F238E27FC236}">
-                <a16:creationId xmlns:a16="http://schemas.microsoft.com/office/drawing/2014/main" id="{58EF03D9-FF31-2647-E27B-9FB609B5DA40}"/>
+                <a16:creationId xmlns:a16="http://schemas.microsoft.com/office/drawing/2014/main" id="{9CAFED74-6A9E-4398-1403-6E304ECF1CB2}"/>
               </a:ext>
             </a:extLst>
           </p:cNvPr>
@@ -2062,7 +2062,7 @@
           <a:bodyPr/>
           <a:lstStyle/>
           <a:p>
-            <a:fld id="{106A330C-1AAF-456B-9E3E-70F460201EA6}" type="datetimeFigureOut">
+            <a:fld id="{9821CF86-D9C7-4A47-B626-33B6412DB9BF}" type="datetimeFigureOut">
               <a:rPr lang="zh-CN" altLang="en-US" smtClean="0"/>
               <a:t>2024/3/10</a:t>
             </a:fld>
@@ -2075,7 +2075,7 @@
           <p:cNvPr id="3" name="页脚占位符 2">
             <a:extLst>
               <a:ext uri="{FF2B5EF4-FFF2-40B4-BE49-F238E27FC236}">
-                <a16:creationId xmlns:a16="http://schemas.microsoft.com/office/drawing/2014/main" id="{B4A4292E-0B7B-E93C-C04F-E2620A3FE447}"/>
+                <a16:creationId xmlns:a16="http://schemas.microsoft.com/office/drawing/2014/main" id="{B3BCF5DA-55B2-AA6E-2D1D-C4B6A07776B6}"/>
               </a:ext>
             </a:extLst>
           </p:cNvPr>
@@ -2100,7 +2100,7 @@
           <p:cNvPr id="4" name="灯片编号占位符 3">
             <a:extLst>
               <a:ext uri="{FF2B5EF4-FFF2-40B4-BE49-F238E27FC236}">
-                <a16:creationId xmlns:a16="http://schemas.microsoft.com/office/drawing/2014/main" id="{537EE60B-BAB2-A729-4EA4-37E07A371DD3}"/>
+                <a16:creationId xmlns:a16="http://schemas.microsoft.com/office/drawing/2014/main" id="{A40AFE1F-14FF-5707-EB84-F4FB1612E05B}"/>
               </a:ext>
             </a:extLst>
           </p:cNvPr>
@@ -2116,7 +2116,7 @@
           <a:bodyPr/>
           <a:lstStyle/>
           <a:p>
-            <a:fld id="{F3843CEB-721A-4291-BE32-41026B6C540C}" type="slidenum">
+            <a:fld id="{E257B1DE-A9D8-47FD-8C4B-4FD7652A49B4}" type="slidenum">
               <a:rPr lang="zh-CN" altLang="en-US" smtClean="0"/>
               <a:t>‹#›</a:t>
             </a:fld>
@@ -2127,7 +2127,7 @@
     </p:spTree>
     <p:extLst>
       <p:ext uri="{BB962C8B-B14F-4D97-AF65-F5344CB8AC3E}">
-        <p14:creationId xmlns:p14="http://schemas.microsoft.com/office/powerpoint/2010/main" val="4046480724"/>
+        <p14:creationId xmlns:p14="http://schemas.microsoft.com/office/powerpoint/2010/main" val="2067370540"/>
       </p:ext>
     </p:extLst>
   </p:cSld>
@@ -2159,7 +2159,7 @@
           <p:cNvPr id="2" name="标题 1">
             <a:extLst>
               <a:ext uri="{FF2B5EF4-FFF2-40B4-BE49-F238E27FC236}">
-                <a16:creationId xmlns:a16="http://schemas.microsoft.com/office/drawing/2014/main" id="{203ACE60-2912-387F-342D-92B7B6B8BDAC}"/>
+                <a16:creationId xmlns:a16="http://schemas.microsoft.com/office/drawing/2014/main" id="{21500B71-BEB1-9AB8-4ADC-B9AA7F6F27E4}"/>
               </a:ext>
             </a:extLst>
           </p:cNvPr>
@@ -2196,7 +2196,7 @@
           <p:cNvPr id="3" name="内容占位符 2">
             <a:extLst>
               <a:ext uri="{FF2B5EF4-FFF2-40B4-BE49-F238E27FC236}">
-                <a16:creationId xmlns:a16="http://schemas.microsoft.com/office/drawing/2014/main" id="{BE09BE64-09B6-F7A6-EFD2-CC25EE72C6EB}"/>
+                <a16:creationId xmlns:a16="http://schemas.microsoft.com/office/drawing/2014/main" id="{A60AF7AD-6201-7FF5-2BA8-A69DD97E0C86}"/>
               </a:ext>
             </a:extLst>
           </p:cNvPr>
@@ -2286,7 +2286,7 @@
           <p:cNvPr id="4" name="文本占位符 3">
             <a:extLst>
               <a:ext uri="{FF2B5EF4-FFF2-40B4-BE49-F238E27FC236}">
-                <a16:creationId xmlns:a16="http://schemas.microsoft.com/office/drawing/2014/main" id="{2555BA3E-F0A0-14B1-70E2-1265C6C88527}"/>
+                <a16:creationId xmlns:a16="http://schemas.microsoft.com/office/drawing/2014/main" id="{0C1DAE5C-CD43-ADC4-D5FA-8D1F108D30FA}"/>
               </a:ext>
             </a:extLst>
           </p:cNvPr>
@@ -2357,7 +2357,7 @@
           <p:cNvPr id="5" name="日期占位符 4">
             <a:extLst>
               <a:ext uri="{FF2B5EF4-FFF2-40B4-BE49-F238E27FC236}">
-                <a16:creationId xmlns:a16="http://schemas.microsoft.com/office/drawing/2014/main" id="{6144756F-6669-6417-F4A8-E1F42F76BAA9}"/>
+                <a16:creationId xmlns:a16="http://schemas.microsoft.com/office/drawing/2014/main" id="{095CDFBA-4C97-34F4-60AC-54DA47631F8E}"/>
               </a:ext>
             </a:extLst>
           </p:cNvPr>
@@ -2373,7 +2373,7 @@
           <a:bodyPr/>
           <a:lstStyle/>
           <a:p>
-            <a:fld id="{106A330C-1AAF-456B-9E3E-70F460201EA6}" type="datetimeFigureOut">
+            <a:fld id="{9821CF86-D9C7-4A47-B626-33B6412DB9BF}" type="datetimeFigureOut">
               <a:rPr lang="zh-CN" altLang="en-US" smtClean="0"/>
               <a:t>2024/3/10</a:t>
             </a:fld>
@@ -2386,7 +2386,7 @@
           <p:cNvPr id="6" name="页脚占位符 5">
             <a:extLst>
               <a:ext uri="{FF2B5EF4-FFF2-40B4-BE49-F238E27FC236}">
-                <a16:creationId xmlns:a16="http://schemas.microsoft.com/office/drawing/2014/main" id="{A9F750C1-0421-DA72-CA9A-E1600A9E1AE7}"/>
+                <a16:creationId xmlns:a16="http://schemas.microsoft.com/office/drawing/2014/main" id="{8E39DAE4-80C9-94CA-EF10-F3BD45C980F8}"/>
               </a:ext>
             </a:extLst>
           </p:cNvPr>
@@ -2411,7 +2411,7 @@
           <p:cNvPr id="7" name="灯片编号占位符 6">
             <a:extLst>
               <a:ext uri="{FF2B5EF4-FFF2-40B4-BE49-F238E27FC236}">
-                <a16:creationId xmlns:a16="http://schemas.microsoft.com/office/drawing/2014/main" id="{EFFEDEEB-15A8-1731-EE0D-FF663F2C4193}"/>
+                <a16:creationId xmlns:a16="http://schemas.microsoft.com/office/drawing/2014/main" id="{F6C24653-0447-CEE3-180C-457058B21F6D}"/>
               </a:ext>
             </a:extLst>
           </p:cNvPr>
@@ -2427,7 +2427,7 @@
           <a:bodyPr/>
           <a:lstStyle/>
           <a:p>
-            <a:fld id="{F3843CEB-721A-4291-BE32-41026B6C540C}" type="slidenum">
+            <a:fld id="{E257B1DE-A9D8-47FD-8C4B-4FD7652A49B4}" type="slidenum">
               <a:rPr lang="zh-CN" altLang="en-US" smtClean="0"/>
               <a:t>‹#›</a:t>
             </a:fld>
@@ -2438,7 +2438,7 @@
     </p:spTree>
     <p:extLst>
       <p:ext uri="{BB962C8B-B14F-4D97-AF65-F5344CB8AC3E}">
-        <p14:creationId xmlns:p14="http://schemas.microsoft.com/office/powerpoint/2010/main" val="2510200720"/>
+        <p14:creationId xmlns:p14="http://schemas.microsoft.com/office/powerpoint/2010/main" val="4065709395"/>
       </p:ext>
     </p:extLst>
   </p:cSld>
@@ -2470,7 +2470,7 @@
           <p:cNvPr id="2" name="标题 1">
             <a:extLst>
               <a:ext uri="{FF2B5EF4-FFF2-40B4-BE49-F238E27FC236}">
-                <a16:creationId xmlns:a16="http://schemas.microsoft.com/office/drawing/2014/main" id="{0AC7FC8E-D7A1-CBCD-5EB1-448F1049698D}"/>
+                <a16:creationId xmlns:a16="http://schemas.microsoft.com/office/drawing/2014/main" id="{D0773118-90F1-812E-AD5B-6BD2502A6476}"/>
               </a:ext>
             </a:extLst>
           </p:cNvPr>
@@ -2507,7 +2507,7 @@
           <p:cNvPr id="3" name="图片占位符 2">
             <a:extLst>
               <a:ext uri="{FF2B5EF4-FFF2-40B4-BE49-F238E27FC236}">
-                <a16:creationId xmlns:a16="http://schemas.microsoft.com/office/drawing/2014/main" id="{72CEC7C2-E881-6D4B-D0AC-D26179E67C36}"/>
+                <a16:creationId xmlns:a16="http://schemas.microsoft.com/office/drawing/2014/main" id="{3F20CB89-3EB3-37AF-A7D5-83A3617CFD5E}"/>
               </a:ext>
             </a:extLst>
           </p:cNvPr>
@@ -2574,7 +2574,7 @@
           <p:cNvPr id="4" name="文本占位符 3">
             <a:extLst>
               <a:ext uri="{FF2B5EF4-FFF2-40B4-BE49-F238E27FC236}">
-                <a16:creationId xmlns:a16="http://schemas.microsoft.com/office/drawing/2014/main" id="{4B2DEB50-0C63-343D-6C83-84C523777E96}"/>
+                <a16:creationId xmlns:a16="http://schemas.microsoft.com/office/drawing/2014/main" id="{443503BE-C98D-727C-8656-979D25361D82}"/>
               </a:ext>
             </a:extLst>
           </p:cNvPr>
@@ -2645,7 +2645,7 @@
           <p:cNvPr id="5" name="日期占位符 4">
             <a:extLst>
               <a:ext uri="{FF2B5EF4-FFF2-40B4-BE49-F238E27FC236}">
-                <a16:creationId xmlns:a16="http://schemas.microsoft.com/office/drawing/2014/main" id="{793000F9-15DD-9714-85E3-07C2C36395A8}"/>
+                <a16:creationId xmlns:a16="http://schemas.microsoft.com/office/drawing/2014/main" id="{782282E8-3397-B559-2C21-073C0261D993}"/>
               </a:ext>
             </a:extLst>
           </p:cNvPr>
@@ -2661,7 +2661,7 @@
           <a:bodyPr/>
           <a:lstStyle/>
           <a:p>
-            <a:fld id="{106A330C-1AAF-456B-9E3E-70F460201EA6}" type="datetimeFigureOut">
+            <a:fld id="{9821CF86-D9C7-4A47-B626-33B6412DB9BF}" type="datetimeFigureOut">
               <a:rPr lang="zh-CN" altLang="en-US" smtClean="0"/>
               <a:t>2024/3/10</a:t>
             </a:fld>
@@ -2674,7 +2674,7 @@
           <p:cNvPr id="6" name="页脚占位符 5">
             <a:extLst>
               <a:ext uri="{FF2B5EF4-FFF2-40B4-BE49-F238E27FC236}">
-                <a16:creationId xmlns:a16="http://schemas.microsoft.com/office/drawing/2014/main" id="{F6584332-CAF3-FC72-AA32-532B9D9433A8}"/>
+                <a16:creationId xmlns:a16="http://schemas.microsoft.com/office/drawing/2014/main" id="{D3F49D31-C5A3-223B-A52C-9149893ECCAF}"/>
               </a:ext>
             </a:extLst>
           </p:cNvPr>
@@ -2699,7 +2699,7 @@
           <p:cNvPr id="7" name="灯片编号占位符 6">
             <a:extLst>
               <a:ext uri="{FF2B5EF4-FFF2-40B4-BE49-F238E27FC236}">
-                <a16:creationId xmlns:a16="http://schemas.microsoft.com/office/drawing/2014/main" id="{0C9DEFE7-B2AB-4914-71F3-B6A3A304E1D5}"/>
+                <a16:creationId xmlns:a16="http://schemas.microsoft.com/office/drawing/2014/main" id="{FF06A3A0-544E-122C-9E19-662E3206E791}"/>
               </a:ext>
             </a:extLst>
           </p:cNvPr>
@@ -2715,7 +2715,7 @@
           <a:bodyPr/>
           <a:lstStyle/>
           <a:p>
-            <a:fld id="{F3843CEB-721A-4291-BE32-41026B6C540C}" type="slidenum">
+            <a:fld id="{E257B1DE-A9D8-47FD-8C4B-4FD7652A49B4}" type="slidenum">
               <a:rPr lang="zh-CN" altLang="en-US" smtClean="0"/>
               <a:t>‹#›</a:t>
             </a:fld>
@@ -2726,7 +2726,7 @@
     </p:spTree>
     <p:extLst>
       <p:ext uri="{BB962C8B-B14F-4D97-AF65-F5344CB8AC3E}">
-        <p14:creationId xmlns:p14="http://schemas.microsoft.com/office/powerpoint/2010/main" val="3046207979"/>
+        <p14:creationId xmlns:p14="http://schemas.microsoft.com/office/powerpoint/2010/main" val="3958048290"/>
       </p:ext>
     </p:extLst>
   </p:cSld>
@@ -2763,7 +2763,7 @@
           <p:cNvPr id="2" name="标题占位符 1">
             <a:extLst>
               <a:ext uri="{FF2B5EF4-FFF2-40B4-BE49-F238E27FC236}">
-                <a16:creationId xmlns:a16="http://schemas.microsoft.com/office/drawing/2014/main" id="{869D15CB-5EF6-DED5-89E6-2DEFB33EABD6}"/>
+                <a16:creationId xmlns:a16="http://schemas.microsoft.com/office/drawing/2014/main" id="{83EF7F5D-2613-829D-52A6-3CB69D11CD3B}"/>
               </a:ext>
             </a:extLst>
           </p:cNvPr>
@@ -2801,7 +2801,7 @@
           <p:cNvPr id="3" name="文本占位符 2">
             <a:extLst>
               <a:ext uri="{FF2B5EF4-FFF2-40B4-BE49-F238E27FC236}">
-                <a16:creationId xmlns:a16="http://schemas.microsoft.com/office/drawing/2014/main" id="{58192D48-C3AE-985C-AD73-B3E802B32942}"/>
+                <a16:creationId xmlns:a16="http://schemas.microsoft.com/office/drawing/2014/main" id="{6B7D8C86-EE2C-096C-CF31-E2F748E8015D}"/>
               </a:ext>
             </a:extLst>
           </p:cNvPr>
@@ -2868,7 +2868,7 @@
           <p:cNvPr id="4" name="日期占位符 3">
             <a:extLst>
               <a:ext uri="{FF2B5EF4-FFF2-40B4-BE49-F238E27FC236}">
-                <a16:creationId xmlns:a16="http://schemas.microsoft.com/office/drawing/2014/main" id="{5C6BED9D-3C37-4A5A-8FD8-7C211F848C3A}"/>
+                <a16:creationId xmlns:a16="http://schemas.microsoft.com/office/drawing/2014/main" id="{86CFF0BB-B908-AABB-51BB-BCBC6B2B2900}"/>
               </a:ext>
             </a:extLst>
           </p:cNvPr>
@@ -2902,7 +2902,7 @@
             </a:lvl1pPr>
           </a:lstStyle>
           <a:p>
-            <a:fld id="{106A330C-1AAF-456B-9E3E-70F460201EA6}" type="datetimeFigureOut">
+            <a:fld id="{9821CF86-D9C7-4A47-B626-33B6412DB9BF}" type="datetimeFigureOut">
               <a:rPr lang="zh-CN" altLang="en-US" smtClean="0"/>
               <a:t>2024/3/10</a:t>
             </a:fld>
@@ -2915,7 +2915,7 @@
           <p:cNvPr id="5" name="页脚占位符 4">
             <a:extLst>
               <a:ext uri="{FF2B5EF4-FFF2-40B4-BE49-F238E27FC236}">
-                <a16:creationId xmlns:a16="http://schemas.microsoft.com/office/drawing/2014/main" id="{6373D09B-F2D2-4B08-21A4-53BCB1E43410}"/>
+                <a16:creationId xmlns:a16="http://schemas.microsoft.com/office/drawing/2014/main" id="{57C886CA-0758-C5BD-10BE-95939F5BEAC8}"/>
               </a:ext>
             </a:extLst>
           </p:cNvPr>
@@ -2958,7 +2958,7 @@
           <p:cNvPr id="6" name="灯片编号占位符 5">
             <a:extLst>
               <a:ext uri="{FF2B5EF4-FFF2-40B4-BE49-F238E27FC236}">
-                <a16:creationId xmlns:a16="http://schemas.microsoft.com/office/drawing/2014/main" id="{455886AB-1115-54AD-5188-9F967DCE6ED3}"/>
+                <a16:creationId xmlns:a16="http://schemas.microsoft.com/office/drawing/2014/main" id="{3BBE1FAD-C267-E104-EC5C-1A84F4E8C668}"/>
               </a:ext>
             </a:extLst>
           </p:cNvPr>
@@ -2992,7 +2992,7 @@
             </a:lvl1pPr>
           </a:lstStyle>
           <a:p>
-            <a:fld id="{F3843CEB-721A-4291-BE32-41026B6C540C}" type="slidenum">
+            <a:fld id="{E257B1DE-A9D8-47FD-8C4B-4FD7652A49B4}" type="slidenum">
               <a:rPr lang="zh-CN" altLang="en-US" smtClean="0"/>
               <a:t>‹#›</a:t>
             </a:fld>
@@ -3003,7 +3003,7 @@
     </p:spTree>
     <p:extLst>
       <p:ext uri="{BB962C8B-B14F-4D97-AF65-F5344CB8AC3E}">
-        <p14:creationId xmlns:p14="http://schemas.microsoft.com/office/powerpoint/2010/main" val="2646778844"/>
+        <p14:creationId xmlns:p14="http://schemas.microsoft.com/office/powerpoint/2010/main" val="1390697188"/>
       </p:ext>
     </p:extLst>
   </p:cSld>
